--- a/plots/representation VOC among S dropout samples_binomial GLMM_response.pptx
+++ b/plots/representation VOC among S dropout samples_binomial GLMM_response.pptx
@@ -4452,8 +4452,8 @@
           </p:nvSpPr>
           <p:spPr>
             <a:xfrm>
-              <a:off x="2254754" y="6076754"/>
-              <a:ext cx="54686" cy="54686"/>
+              <a:off x="2248371" y="6070370"/>
+              <a:ext cx="67453" cy="67453"/>
             </a:xfrm>
             <a:prstGeom prst="ellipse">
               <a:avLst/>
@@ -4487,8 +4487,8 @@
           </p:nvSpPr>
           <p:spPr>
             <a:xfrm>
-              <a:off x="2840155" y="6084527"/>
-              <a:ext cx="39139" cy="39139"/>
+              <a:off x="2830720" y="6075092"/>
+              <a:ext cx="58010" cy="58010"/>
             </a:xfrm>
             <a:prstGeom prst="ellipse">
               <a:avLst/>
@@ -4522,8 +4522,8 @@
           </p:nvSpPr>
           <p:spPr>
             <a:xfrm>
-              <a:off x="3410010" y="5692424"/>
-              <a:ext cx="54686" cy="54686"/>
+              <a:off x="3403626" y="5686041"/>
+              <a:ext cx="67453" cy="67453"/>
             </a:xfrm>
             <a:prstGeom prst="ellipse">
               <a:avLst/>
@@ -4557,8 +4557,8 @@
           </p:nvSpPr>
           <p:spPr>
             <a:xfrm>
-              <a:off x="3987638" y="3386447"/>
-              <a:ext cx="54686" cy="54686"/>
+              <a:off x="3981254" y="3380064"/>
+              <a:ext cx="67453" cy="67453"/>
             </a:xfrm>
             <a:prstGeom prst="ellipse">
               <a:avLst/>
@@ -4592,8 +4592,8 @@
           </p:nvSpPr>
           <p:spPr>
             <a:xfrm>
-              <a:off x="4548363" y="3257058"/>
-              <a:ext cx="88491" cy="88491"/>
+              <a:off x="4546081" y="3254776"/>
+              <a:ext cx="93055" cy="93055"/>
             </a:xfrm>
             <a:prstGeom prst="ellipse">
               <a:avLst/>
@@ -4627,8 +4627,8 @@
           </p:nvSpPr>
           <p:spPr>
             <a:xfrm>
-              <a:off x="5121152" y="3199994"/>
-              <a:ext cx="98168" cy="98168"/>
+              <a:off x="5119712" y="3198553"/>
+              <a:ext cx="101049" cy="101049"/>
             </a:xfrm>
             <a:prstGeom prst="ellipse">
               <a:avLst/>
@@ -4662,8 +4662,8 @@
           </p:nvSpPr>
           <p:spPr>
             <a:xfrm>
-              <a:off x="5692557" y="1661810"/>
-              <a:ext cx="110613" cy="110613"/>
+              <a:off x="5692077" y="1661330"/>
+              <a:ext cx="111573" cy="111573"/>
             </a:xfrm>
             <a:prstGeom prst="ellipse">
               <a:avLst/>
@@ -5788,8 +5788,8 @@
           </p:nvSpPr>
           <p:spPr>
             <a:xfrm>
-              <a:off x="7610896" y="3559643"/>
-              <a:ext cx="46619" cy="46619"/>
+              <a:off x="7629570" y="3578317"/>
+              <a:ext cx="9271" cy="9271"/>
             </a:xfrm>
             <a:prstGeom prst="ellipse">
               <a:avLst/>
@@ -5844,8 +5844,8 @@
           </p:nvSpPr>
           <p:spPr>
             <a:xfrm>
-              <a:off x="7586904" y="3755107"/>
-              <a:ext cx="94604" cy="94604"/>
+              <a:off x="7603069" y="3771272"/>
+              <a:ext cx="62273" cy="62273"/>
             </a:xfrm>
             <a:prstGeom prst="ellipse">
               <a:avLst/>
@@ -5935,8 +5935,8 @@
           </p:nvSpPr>
           <p:spPr>
             <a:xfrm>
-              <a:off x="7819849" y="3537471"/>
-              <a:ext cx="135612" cy="89118"/>
+              <a:off x="7819849" y="3538959"/>
+              <a:ext cx="67806" cy="87630"/>
             </a:xfrm>
             <a:prstGeom prst="rect">
               <a:avLst/>
@@ -5968,7 +5968,7 @@
                   <a:latin typeface="Arial"/>
                   <a:cs typeface="Arial"/>
                 </a:rPr>
-                <a:t>10</a:t>
+                <a:t>1</a:t>
               </a:r>
             </a:p>
           </p:txBody>
@@ -6014,7 +6014,7 @@
                   <a:latin typeface="Arial"/>
                   <a:cs typeface="Arial"/>
                 </a:rPr>
-                <a:t>50</a:t>
+                <a:t>10</a:t>
               </a:r>
             </a:p>
           </p:txBody>
